--- a/hybrid_embedding_presentation_with_diagrams.pptx
+++ b/hybrid_embedding_presentation_with_diagrams.pptx
@@ -5,19 +5,19 @@
     <p:sldMasterId id="2147483648" r:id="rId1"/>
   </p:sldMasterIdLst>
   <p:sldIdLst>
-    <p:sldId id="256" r:id="rId7"/>
-    <p:sldId id="257" r:id="rId8"/>
-    <p:sldId id="258" r:id="rId9"/>
-    <p:sldId id="259" r:id="rId10"/>
-    <p:sldId id="260" r:id="rId11"/>
-    <p:sldId id="261" r:id="rId12"/>
-    <p:sldId id="262" r:id="rId13"/>
-    <p:sldId id="263" r:id="rId14"/>
-    <p:sldId id="264" r:id="rId15"/>
-    <p:sldId id="265" r:id="rId16"/>
-    <p:sldId id="266" r:id="rId17"/>
-    <p:sldId id="267" r:id="rId18"/>
-    <p:sldId id="268" r:id="rId19"/>
+    <p:sldId id="256" r:id="rId2"/>
+    <p:sldId id="257" r:id="rId3"/>
+    <p:sldId id="258" r:id="rId4"/>
+    <p:sldId id="259" r:id="rId5"/>
+    <p:sldId id="260" r:id="rId6"/>
+    <p:sldId id="261" r:id="rId7"/>
+    <p:sldId id="262" r:id="rId8"/>
+    <p:sldId id="263" r:id="rId9"/>
+    <p:sldId id="264" r:id="rId10"/>
+    <p:sldId id="265" r:id="rId11"/>
+    <p:sldId id="266" r:id="rId12"/>
+    <p:sldId id="267" r:id="rId13"/>
+    <p:sldId id="268" r:id="rId14"/>
   </p:sldIdLst>
   <p:sldSz cx="9144000" cy="6858000" type="screen4x3"/>
   <p:notesSz cx="6858000" cy="9144000"/>
@@ -116,6 +116,22 @@
       </a:defRPr>
     </a:lvl9pPr>
   </p:defaultTextStyle>
+  <p:extLst>
+    <p:ext uri="{EFAFB233-063F-42B5-8137-9DF3F51BA10A}">
+      <p15:sldGuideLst xmlns:p15="http://schemas.microsoft.com/office/powerpoint/2012/main">
+        <p15:guide id="1" orient="horz" pos="2160">
+          <p15:clr>
+            <a:srgbClr val="A4A3A4"/>
+          </p15:clr>
+        </p15:guide>
+        <p15:guide id="2" pos="2880">
+          <p15:clr>
+            <a:srgbClr val="A4A3A4"/>
+          </p15:clr>
+        </p15:guide>
+      </p15:sldGuideLst>
+    </p:ext>
+  </p:extLst>
 </p:presentation>
 </file>
 
@@ -157,10 +173,9 @@
           <a:lstStyle/>
           <a:p>
             <a:r>
-              <a:rPr lang="en-US" smtClean="0"/>
+              <a:rPr lang="en-US"/>
               <a:t>Click to edit Master title style</a:t>
             </a:r>
-            <a:endParaRPr lang="en-US"/>
           </a:p>
         </p:txBody>
       </p:sp>
@@ -276,10 +291,9 @@
           </a:lstStyle>
           <a:p>
             <a:r>
-              <a:rPr lang="en-US" smtClean="0"/>
+              <a:rPr lang="en-US"/>
               <a:t>Click to edit Master subtitle style</a:t>
             </a:r>
-            <a:endParaRPr lang="en-US"/>
           </a:p>
         </p:txBody>
       </p:sp>
@@ -300,7 +314,7 @@
           <a:p>
             <a:fld id="{5BCAD085-E8A6-8845-BD4E-CB4CCA059FC4}" type="datetimeFigureOut">
               <a:rPr lang="en-US" smtClean="0"/>
-              <a:t>1/27/13</a:t>
+              <a:t>9/24/25</a:t>
             </a:fld>
             <a:endParaRPr lang="en-US"/>
           </a:p>
@@ -394,10 +408,9 @@
           <a:lstStyle/>
           <a:p>
             <a:r>
-              <a:rPr lang="en-US" smtClean="0"/>
+              <a:rPr lang="en-US"/>
               <a:t>Click to edit Master title style</a:t>
             </a:r>
-            <a:endParaRPr lang="en-US"/>
           </a:p>
         </p:txBody>
       </p:sp>
@@ -418,38 +431,37 @@
           <a:p>
             <a:pPr lvl="0"/>
             <a:r>
-              <a:rPr lang="en-US" smtClean="0"/>
+              <a:rPr lang="en-US"/>
               <a:t>Click to edit Master text styles</a:t>
             </a:r>
           </a:p>
           <a:p>
             <a:pPr lvl="1"/>
             <a:r>
-              <a:rPr lang="en-US" smtClean="0"/>
+              <a:rPr lang="en-US"/>
               <a:t>Second level</a:t>
             </a:r>
           </a:p>
           <a:p>
             <a:pPr lvl="2"/>
             <a:r>
-              <a:rPr lang="en-US" smtClean="0"/>
+              <a:rPr lang="en-US"/>
               <a:t>Third level</a:t>
             </a:r>
           </a:p>
           <a:p>
             <a:pPr lvl="3"/>
             <a:r>
-              <a:rPr lang="en-US" smtClean="0"/>
+              <a:rPr lang="en-US"/>
               <a:t>Fourth level</a:t>
             </a:r>
           </a:p>
           <a:p>
             <a:pPr lvl="4"/>
             <a:r>
-              <a:rPr lang="en-US" smtClean="0"/>
+              <a:rPr lang="en-US"/>
               <a:t>Fifth level</a:t>
             </a:r>
-            <a:endParaRPr lang="en-US"/>
           </a:p>
         </p:txBody>
       </p:sp>
@@ -470,7 +482,7 @@
           <a:p>
             <a:fld id="{5BCAD085-E8A6-8845-BD4E-CB4CCA059FC4}" type="datetimeFigureOut">
               <a:rPr lang="en-US" smtClean="0"/>
-              <a:t>1/27/13</a:t>
+              <a:t>9/24/25</a:t>
             </a:fld>
             <a:endParaRPr lang="en-US"/>
           </a:p>
@@ -569,10 +581,9 @@
           <a:lstStyle/>
           <a:p>
             <a:r>
-              <a:rPr lang="en-US" smtClean="0"/>
+              <a:rPr lang="en-US"/>
               <a:t>Click to edit Master title style</a:t>
             </a:r>
-            <a:endParaRPr lang="en-US"/>
           </a:p>
         </p:txBody>
       </p:sp>
@@ -598,38 +609,37 @@
           <a:p>
             <a:pPr lvl="0"/>
             <a:r>
-              <a:rPr lang="en-US" smtClean="0"/>
+              <a:rPr lang="en-US"/>
               <a:t>Click to edit Master text styles</a:t>
             </a:r>
           </a:p>
           <a:p>
             <a:pPr lvl="1"/>
             <a:r>
-              <a:rPr lang="en-US" smtClean="0"/>
+              <a:rPr lang="en-US"/>
               <a:t>Second level</a:t>
             </a:r>
           </a:p>
           <a:p>
             <a:pPr lvl="2"/>
             <a:r>
-              <a:rPr lang="en-US" smtClean="0"/>
+              <a:rPr lang="en-US"/>
               <a:t>Third level</a:t>
             </a:r>
           </a:p>
           <a:p>
             <a:pPr lvl="3"/>
             <a:r>
-              <a:rPr lang="en-US" smtClean="0"/>
+              <a:rPr lang="en-US"/>
               <a:t>Fourth level</a:t>
             </a:r>
           </a:p>
           <a:p>
             <a:pPr lvl="4"/>
             <a:r>
-              <a:rPr lang="en-US" smtClean="0"/>
+              <a:rPr lang="en-US"/>
               <a:t>Fifth level</a:t>
             </a:r>
-            <a:endParaRPr lang="en-US"/>
           </a:p>
         </p:txBody>
       </p:sp>
@@ -650,7 +660,7 @@
           <a:p>
             <a:fld id="{5BCAD085-E8A6-8845-BD4E-CB4CCA059FC4}" type="datetimeFigureOut">
               <a:rPr lang="en-US" smtClean="0"/>
-              <a:t>1/27/13</a:t>
+              <a:t>9/24/25</a:t>
             </a:fld>
             <a:endParaRPr lang="en-US"/>
           </a:p>
@@ -744,10 +754,9 @@
           <a:lstStyle/>
           <a:p>
             <a:r>
-              <a:rPr lang="en-US" smtClean="0"/>
+              <a:rPr lang="en-US"/>
               <a:t>Click to edit Master title style</a:t>
             </a:r>
-            <a:endParaRPr lang="en-US"/>
           </a:p>
         </p:txBody>
       </p:sp>
@@ -768,38 +777,37 @@
           <a:p>
             <a:pPr lvl="0"/>
             <a:r>
-              <a:rPr lang="en-US" smtClean="0"/>
+              <a:rPr lang="en-US"/>
               <a:t>Click to edit Master text styles</a:t>
             </a:r>
           </a:p>
           <a:p>
             <a:pPr lvl="1"/>
             <a:r>
-              <a:rPr lang="en-US" smtClean="0"/>
+              <a:rPr lang="en-US"/>
               <a:t>Second level</a:t>
             </a:r>
           </a:p>
           <a:p>
             <a:pPr lvl="2"/>
             <a:r>
-              <a:rPr lang="en-US" smtClean="0"/>
+              <a:rPr lang="en-US"/>
               <a:t>Third level</a:t>
             </a:r>
           </a:p>
           <a:p>
             <a:pPr lvl="3"/>
             <a:r>
-              <a:rPr lang="en-US" smtClean="0"/>
+              <a:rPr lang="en-US"/>
               <a:t>Fourth level</a:t>
             </a:r>
           </a:p>
           <a:p>
             <a:pPr lvl="4"/>
             <a:r>
-              <a:rPr lang="en-US" smtClean="0"/>
+              <a:rPr lang="en-US"/>
               <a:t>Fifth level</a:t>
             </a:r>
-            <a:endParaRPr lang="en-US"/>
           </a:p>
         </p:txBody>
       </p:sp>
@@ -820,7 +828,7 @@
           <a:p>
             <a:fld id="{5BCAD085-E8A6-8845-BD4E-CB4CCA059FC4}" type="datetimeFigureOut">
               <a:rPr lang="en-US" smtClean="0"/>
-              <a:t>1/27/13</a:t>
+              <a:t>9/24/25</a:t>
             </a:fld>
             <a:endParaRPr lang="en-US"/>
           </a:p>
@@ -923,10 +931,9 @@
           </a:lstStyle>
           <a:p>
             <a:r>
-              <a:rPr lang="en-US" smtClean="0"/>
+              <a:rPr lang="en-US"/>
               <a:t>Click to edit Master title style</a:t>
             </a:r>
-            <a:endParaRPr lang="en-US"/>
           </a:p>
         </p:txBody>
       </p:sp>
@@ -1043,7 +1050,7 @@
           <a:p>
             <a:pPr lvl="0"/>
             <a:r>
-              <a:rPr lang="en-US" smtClean="0"/>
+              <a:rPr lang="en-US"/>
               <a:t>Click to edit Master text styles</a:t>
             </a:r>
           </a:p>
@@ -1066,7 +1073,7 @@
           <a:p>
             <a:fld id="{5BCAD085-E8A6-8845-BD4E-CB4CCA059FC4}" type="datetimeFigureOut">
               <a:rPr lang="en-US" smtClean="0"/>
-              <a:t>1/27/13</a:t>
+              <a:t>9/24/25</a:t>
             </a:fld>
             <a:endParaRPr lang="en-US"/>
           </a:p>
@@ -1160,10 +1167,9 @@
           <a:lstStyle/>
           <a:p>
             <a:r>
-              <a:rPr lang="en-US" smtClean="0"/>
+              <a:rPr lang="en-US"/>
               <a:t>Click to edit Master title style</a:t>
             </a:r>
-            <a:endParaRPr lang="en-US"/>
           </a:p>
         </p:txBody>
       </p:sp>
@@ -1217,38 +1223,37 @@
           <a:p>
             <a:pPr lvl="0"/>
             <a:r>
-              <a:rPr lang="en-US" smtClean="0"/>
+              <a:rPr lang="en-US"/>
               <a:t>Click to edit Master text styles</a:t>
             </a:r>
           </a:p>
           <a:p>
             <a:pPr lvl="1"/>
             <a:r>
-              <a:rPr lang="en-US" smtClean="0"/>
+              <a:rPr lang="en-US"/>
               <a:t>Second level</a:t>
             </a:r>
           </a:p>
           <a:p>
             <a:pPr lvl="2"/>
             <a:r>
-              <a:rPr lang="en-US" smtClean="0"/>
+              <a:rPr lang="en-US"/>
               <a:t>Third level</a:t>
             </a:r>
           </a:p>
           <a:p>
             <a:pPr lvl="3"/>
             <a:r>
-              <a:rPr lang="en-US" smtClean="0"/>
+              <a:rPr lang="en-US"/>
               <a:t>Fourth level</a:t>
             </a:r>
           </a:p>
           <a:p>
             <a:pPr lvl="4"/>
             <a:r>
-              <a:rPr lang="en-US" smtClean="0"/>
+              <a:rPr lang="en-US"/>
               <a:t>Fifth level</a:t>
             </a:r>
-            <a:endParaRPr lang="en-US"/>
           </a:p>
         </p:txBody>
       </p:sp>
@@ -1302,38 +1307,37 @@
           <a:p>
             <a:pPr lvl="0"/>
             <a:r>
-              <a:rPr lang="en-US" smtClean="0"/>
+              <a:rPr lang="en-US"/>
               <a:t>Click to edit Master text styles</a:t>
             </a:r>
           </a:p>
           <a:p>
             <a:pPr lvl="1"/>
             <a:r>
-              <a:rPr lang="en-US" smtClean="0"/>
+              <a:rPr lang="en-US"/>
               <a:t>Second level</a:t>
             </a:r>
           </a:p>
           <a:p>
             <a:pPr lvl="2"/>
             <a:r>
-              <a:rPr lang="en-US" smtClean="0"/>
+              <a:rPr lang="en-US"/>
               <a:t>Third level</a:t>
             </a:r>
           </a:p>
           <a:p>
             <a:pPr lvl="3"/>
             <a:r>
-              <a:rPr lang="en-US" smtClean="0"/>
+              <a:rPr lang="en-US"/>
               <a:t>Fourth level</a:t>
             </a:r>
           </a:p>
           <a:p>
             <a:pPr lvl="4"/>
             <a:r>
-              <a:rPr lang="en-US" smtClean="0"/>
+              <a:rPr lang="en-US"/>
               <a:t>Fifth level</a:t>
             </a:r>
-            <a:endParaRPr lang="en-US"/>
           </a:p>
         </p:txBody>
       </p:sp>
@@ -1354,7 +1358,7 @@
           <a:p>
             <a:fld id="{5BCAD085-E8A6-8845-BD4E-CB4CCA059FC4}" type="datetimeFigureOut">
               <a:rPr lang="en-US" smtClean="0"/>
-              <a:t>1/27/13</a:t>
+              <a:t>9/24/25</a:t>
             </a:fld>
             <a:endParaRPr lang="en-US"/>
           </a:p>
@@ -1452,10 +1456,9 @@
           </a:lstStyle>
           <a:p>
             <a:r>
-              <a:rPr lang="en-US" smtClean="0"/>
+              <a:rPr lang="en-US"/>
               <a:t>Click to edit Master title style</a:t>
             </a:r>
-            <a:endParaRPr lang="en-US"/>
           </a:p>
         </p:txBody>
       </p:sp>
@@ -1518,7 +1521,7 @@
           <a:p>
             <a:pPr lvl="0"/>
             <a:r>
-              <a:rPr lang="en-US" smtClean="0"/>
+              <a:rPr lang="en-US"/>
               <a:t>Click to edit Master text styles</a:t>
             </a:r>
           </a:p>
@@ -1574,38 +1577,37 @@
           <a:p>
             <a:pPr lvl="0"/>
             <a:r>
-              <a:rPr lang="en-US" smtClean="0"/>
+              <a:rPr lang="en-US"/>
               <a:t>Click to edit Master text styles</a:t>
             </a:r>
           </a:p>
           <a:p>
             <a:pPr lvl="1"/>
             <a:r>
-              <a:rPr lang="en-US" smtClean="0"/>
+              <a:rPr lang="en-US"/>
               <a:t>Second level</a:t>
             </a:r>
           </a:p>
           <a:p>
             <a:pPr lvl="2"/>
             <a:r>
-              <a:rPr lang="en-US" smtClean="0"/>
+              <a:rPr lang="en-US"/>
               <a:t>Third level</a:t>
             </a:r>
           </a:p>
           <a:p>
             <a:pPr lvl="3"/>
             <a:r>
-              <a:rPr lang="en-US" smtClean="0"/>
+              <a:rPr lang="en-US"/>
               <a:t>Fourth level</a:t>
             </a:r>
           </a:p>
           <a:p>
             <a:pPr lvl="4"/>
             <a:r>
-              <a:rPr lang="en-US" smtClean="0"/>
+              <a:rPr lang="en-US"/>
               <a:t>Fifth level</a:t>
             </a:r>
-            <a:endParaRPr lang="en-US"/>
           </a:p>
         </p:txBody>
       </p:sp>
@@ -1668,7 +1670,7 @@
           <a:p>
             <a:pPr lvl="0"/>
             <a:r>
-              <a:rPr lang="en-US" smtClean="0"/>
+              <a:rPr lang="en-US"/>
               <a:t>Click to edit Master text styles</a:t>
             </a:r>
           </a:p>
@@ -1724,38 +1726,37 @@
           <a:p>
             <a:pPr lvl="0"/>
             <a:r>
-              <a:rPr lang="en-US" smtClean="0"/>
+              <a:rPr lang="en-US"/>
               <a:t>Click to edit Master text styles</a:t>
             </a:r>
           </a:p>
           <a:p>
             <a:pPr lvl="1"/>
             <a:r>
-              <a:rPr lang="en-US" smtClean="0"/>
+              <a:rPr lang="en-US"/>
               <a:t>Second level</a:t>
             </a:r>
           </a:p>
           <a:p>
             <a:pPr lvl="2"/>
             <a:r>
-              <a:rPr lang="en-US" smtClean="0"/>
+              <a:rPr lang="en-US"/>
               <a:t>Third level</a:t>
             </a:r>
           </a:p>
           <a:p>
             <a:pPr lvl="3"/>
             <a:r>
-              <a:rPr lang="en-US" smtClean="0"/>
+              <a:rPr lang="en-US"/>
               <a:t>Fourth level</a:t>
             </a:r>
           </a:p>
           <a:p>
             <a:pPr lvl="4"/>
             <a:r>
-              <a:rPr lang="en-US" smtClean="0"/>
+              <a:rPr lang="en-US"/>
               <a:t>Fifth level</a:t>
             </a:r>
-            <a:endParaRPr lang="en-US"/>
           </a:p>
         </p:txBody>
       </p:sp>
@@ -1776,7 +1777,7 @@
           <a:p>
             <a:fld id="{5BCAD085-E8A6-8845-BD4E-CB4CCA059FC4}" type="datetimeFigureOut">
               <a:rPr lang="en-US" smtClean="0"/>
-              <a:t>1/27/13</a:t>
+              <a:t>9/24/25</a:t>
             </a:fld>
             <a:endParaRPr lang="en-US"/>
           </a:p>
@@ -1870,10 +1871,9 @@
           <a:lstStyle/>
           <a:p>
             <a:r>
-              <a:rPr lang="en-US" smtClean="0"/>
+              <a:rPr lang="en-US"/>
               <a:t>Click to edit Master title style</a:t>
             </a:r>
-            <a:endParaRPr lang="en-US"/>
           </a:p>
         </p:txBody>
       </p:sp>
@@ -1894,7 +1894,7 @@
           <a:p>
             <a:fld id="{5BCAD085-E8A6-8845-BD4E-CB4CCA059FC4}" type="datetimeFigureOut">
               <a:rPr lang="en-US" smtClean="0"/>
-              <a:t>1/27/13</a:t>
+              <a:t>9/24/25</a:t>
             </a:fld>
             <a:endParaRPr lang="en-US"/>
           </a:p>
@@ -1989,7 +1989,7 @@
           <a:p>
             <a:fld id="{5BCAD085-E8A6-8845-BD4E-CB4CCA059FC4}" type="datetimeFigureOut">
               <a:rPr lang="en-US" smtClean="0"/>
-              <a:t>1/27/13</a:t>
+              <a:t>9/24/25</a:t>
             </a:fld>
             <a:endParaRPr lang="en-US"/>
           </a:p>
@@ -2092,10 +2092,9 @@
           </a:lstStyle>
           <a:p>
             <a:r>
-              <a:rPr lang="en-US" smtClean="0"/>
+              <a:rPr lang="en-US"/>
               <a:t>Click to edit Master title style</a:t>
             </a:r>
-            <a:endParaRPr lang="en-US"/>
           </a:p>
         </p:txBody>
       </p:sp>
@@ -2149,38 +2148,37 @@
           <a:p>
             <a:pPr lvl="0"/>
             <a:r>
-              <a:rPr lang="en-US" smtClean="0"/>
+              <a:rPr lang="en-US"/>
               <a:t>Click to edit Master text styles</a:t>
             </a:r>
           </a:p>
           <a:p>
             <a:pPr lvl="1"/>
             <a:r>
-              <a:rPr lang="en-US" smtClean="0"/>
+              <a:rPr lang="en-US"/>
               <a:t>Second level</a:t>
             </a:r>
           </a:p>
           <a:p>
             <a:pPr lvl="2"/>
             <a:r>
-              <a:rPr lang="en-US" smtClean="0"/>
+              <a:rPr lang="en-US"/>
               <a:t>Third level</a:t>
             </a:r>
           </a:p>
           <a:p>
             <a:pPr lvl="3"/>
             <a:r>
-              <a:rPr lang="en-US" smtClean="0"/>
+              <a:rPr lang="en-US"/>
               <a:t>Fourth level</a:t>
             </a:r>
           </a:p>
           <a:p>
             <a:pPr lvl="4"/>
             <a:r>
-              <a:rPr lang="en-US" smtClean="0"/>
+              <a:rPr lang="en-US"/>
               <a:t>Fifth level</a:t>
             </a:r>
-            <a:endParaRPr lang="en-US"/>
           </a:p>
         </p:txBody>
       </p:sp>
@@ -2243,7 +2241,7 @@
           <a:p>
             <a:pPr lvl="0"/>
             <a:r>
-              <a:rPr lang="en-US" smtClean="0"/>
+              <a:rPr lang="en-US"/>
               <a:t>Click to edit Master text styles</a:t>
             </a:r>
           </a:p>
@@ -2266,7 +2264,7 @@
           <a:p>
             <a:fld id="{5BCAD085-E8A6-8845-BD4E-CB4CCA059FC4}" type="datetimeFigureOut">
               <a:rPr lang="en-US" smtClean="0"/>
-              <a:t>1/27/13</a:t>
+              <a:t>9/24/25</a:t>
             </a:fld>
             <a:endParaRPr lang="en-US"/>
           </a:p>
@@ -2369,10 +2367,9 @@
           </a:lstStyle>
           <a:p>
             <a:r>
-              <a:rPr lang="en-US" smtClean="0"/>
+              <a:rPr lang="en-US"/>
               <a:t>Click to edit Master title style</a:t>
             </a:r>
-            <a:endParaRPr lang="en-US"/>
           </a:p>
         </p:txBody>
       </p:sp>
@@ -2496,7 +2493,7 @@
           <a:p>
             <a:pPr lvl="0"/>
             <a:r>
-              <a:rPr lang="en-US" smtClean="0"/>
+              <a:rPr lang="en-US"/>
               <a:t>Click to edit Master text styles</a:t>
             </a:r>
           </a:p>
@@ -2519,7 +2516,7 @@
           <a:p>
             <a:fld id="{5BCAD085-E8A6-8845-BD4E-CB4CCA059FC4}" type="datetimeFigureOut">
               <a:rPr lang="en-US" smtClean="0"/>
-              <a:t>1/27/13</a:t>
+              <a:t>9/24/25</a:t>
             </a:fld>
             <a:endParaRPr lang="en-US"/>
           </a:p>
@@ -2628,10 +2625,9 @@
           <a:lstStyle/>
           <a:p>
             <a:r>
-              <a:rPr lang="en-US" smtClean="0"/>
+              <a:rPr lang="en-US"/>
               <a:t>Click to edit Master title style</a:t>
             </a:r>
-            <a:endParaRPr lang="en-US"/>
           </a:p>
         </p:txBody>
       </p:sp>
@@ -2662,38 +2658,37 @@
           <a:p>
             <a:pPr lvl="0"/>
             <a:r>
-              <a:rPr lang="en-US" smtClean="0"/>
+              <a:rPr lang="en-US"/>
               <a:t>Click to edit Master text styles</a:t>
             </a:r>
           </a:p>
           <a:p>
             <a:pPr lvl="1"/>
             <a:r>
-              <a:rPr lang="en-US" smtClean="0"/>
+              <a:rPr lang="en-US"/>
               <a:t>Second level</a:t>
             </a:r>
           </a:p>
           <a:p>
             <a:pPr lvl="2"/>
             <a:r>
-              <a:rPr lang="en-US" smtClean="0"/>
+              <a:rPr lang="en-US"/>
               <a:t>Third level</a:t>
             </a:r>
           </a:p>
           <a:p>
             <a:pPr lvl="3"/>
             <a:r>
-              <a:rPr lang="en-US" smtClean="0"/>
+              <a:rPr lang="en-US"/>
               <a:t>Fourth level</a:t>
             </a:r>
           </a:p>
           <a:p>
             <a:pPr lvl="4"/>
             <a:r>
-              <a:rPr lang="en-US" smtClean="0"/>
+              <a:rPr lang="en-US"/>
               <a:t>Fifth level</a:t>
             </a:r>
-            <a:endParaRPr lang="en-US"/>
           </a:p>
         </p:txBody>
       </p:sp>
@@ -2732,7 +2727,7 @@
           <a:p>
             <a:fld id="{5BCAD085-E8A6-8845-BD4E-CB4CCA059FC4}" type="datetimeFigureOut">
               <a:rPr lang="en-US" smtClean="0"/>
-              <a:t>1/27/13</a:t>
+              <a:t>9/24/25</a:t>
             </a:fld>
             <a:endParaRPr lang="en-US"/>
           </a:p>
@@ -3091,7 +3086,7 @@
 </file>
 
 <file path=ppt/slides/slide1.xml><?xml version="1.0" encoding="utf-8"?>
-<p:sld xmlns:a="http://schemas.openxmlformats.org/drawingml/2006/main" xmlns:p="http://schemas.openxmlformats.org/presentationml/2006/main" xmlns:r="http://schemas.openxmlformats.org/officeDocument/2006/relationships">
+<p:sld xmlns:a="http://schemas.openxmlformats.org/drawingml/2006/main" xmlns:r="http://schemas.openxmlformats.org/officeDocument/2006/relationships" xmlns:p="http://schemas.openxmlformats.org/presentationml/2006/main">
   <p:cSld>
     <p:spTree>
       <p:nvGrpSpPr>
@@ -3099,7 +3094,14 @@
         <p:cNvGrpSpPr/>
         <p:nvPr/>
       </p:nvGrpSpPr>
-      <p:grpSpPr/>
+      <p:grpSpPr>
+        <a:xfrm>
+          <a:off x="0" y="0"/>
+          <a:ext cx="0" cy="0"/>
+          <a:chOff x="0" y="0"/>
+          <a:chExt cx="0" cy="0"/>
+        </a:xfrm>
+      </p:grpSpPr>
       <p:sp>
         <p:nvSpPr>
           <p:cNvPr id="2" name="Title 1"/>
@@ -3133,17 +3135,57 @@
         </p:nvSpPr>
         <p:spPr/>
         <p:txBody>
-          <a:bodyPr/>
-          <a:lstStyle/>
-          <a:p>
-            <a:r>
+          <a:bodyPr>
+            <a:normAutofit fontScale="55000" lnSpcReduction="20000"/>
+          </a:bodyPr>
+          <a:lstStyle/>
+          <a:p>
+            <a:r>
+              <a:rPr dirty="0"/>
               <a:t>Bridging LLM and Differential Trees for Explainable, Efficient AI</a:t>
             </a:r>
           </a:p>
           <a:p>
             <a:r>
+              <a:rPr dirty="0"/>
               <a:t>White Paper Presentation</a:t>
             </a:r>
+            <a:endParaRPr lang="en-US" dirty="0"/>
+          </a:p>
+          <a:p>
+            <a:r>
+              <a:rPr lang="en-US" dirty="0"/>
+              <a:t>Sizhe Tan</a:t>
+            </a:r>
+          </a:p>
+          <a:p>
+            <a:r>
+              <a:rPr lang="en-US" dirty="0"/>
+              <a:t>20250923</a:t>
+            </a:r>
+          </a:p>
+          <a:p>
+            <a:r>
+              <a:rPr lang="en-US" dirty="0"/>
+              <a:t>https://</a:t>
+            </a:r>
+            <a:r>
+              <a:rPr lang="en-US" dirty="0" err="1"/>
+              <a:t>github.com</a:t>
+            </a:r>
+            <a:r>
+              <a:rPr lang="en-US" dirty="0"/>
+              <a:t>/</a:t>
+            </a:r>
+            <a:r>
+              <a:rPr lang="en-US" dirty="0" err="1"/>
+              <a:t>sizhet</a:t>
+            </a:r>
+            <a:r>
+              <a:rPr lang="en-US" dirty="0"/>
+              <a:t>/hybrid-embedding-project</a:t>
+            </a:r>
+            <a:endParaRPr dirty="0"/>
           </a:p>
         </p:txBody>
       </p:sp>
@@ -3156,7 +3198,7 @@
 </file>
 
 <file path=ppt/slides/slide10.xml><?xml version="1.0" encoding="utf-8"?>
-<p:sld xmlns:a="http://schemas.openxmlformats.org/drawingml/2006/main" xmlns:p="http://schemas.openxmlformats.org/presentationml/2006/main" xmlns:r="http://schemas.openxmlformats.org/officeDocument/2006/relationships">
+<p:sld xmlns:a="http://schemas.openxmlformats.org/drawingml/2006/main" xmlns:r="http://schemas.openxmlformats.org/officeDocument/2006/relationships" xmlns:p="http://schemas.openxmlformats.org/presentationml/2006/main">
   <p:cSld>
     <p:spTree>
       <p:nvGrpSpPr>
@@ -3164,7 +3206,14 @@
         <p:cNvGrpSpPr/>
         <p:nvPr/>
       </p:nvGrpSpPr>
-      <p:grpSpPr/>
+      <p:grpSpPr>
+        <a:xfrm>
+          <a:off x="0" y="0"/>
+          <a:ext cx="0" cy="0"/>
+          <a:chOff x="0" y="0"/>
+          <a:chExt cx="0" cy="0"/>
+        </a:xfrm>
+      </p:grpSpPr>
       <p:sp>
         <p:nvSpPr>
           <p:cNvPr id="2" name="Title 1"/>
@@ -3200,7 +3249,9 @@
         <p:txBody>
           <a:bodyPr/>
           <a:lstStyle/>
-          <a:p/>
+          <a:p>
+            <a:endParaRPr/>
+          </a:p>
           <a:p>
             <a:pPr>
               <a:defRPr sz="2000"/>
@@ -3236,7 +3287,7 @@
 </file>
 
 <file path=ppt/slides/slide11.xml><?xml version="1.0" encoding="utf-8"?>
-<p:sld xmlns:a="http://schemas.openxmlformats.org/drawingml/2006/main" xmlns:p="http://schemas.openxmlformats.org/presentationml/2006/main" xmlns:r="http://schemas.openxmlformats.org/officeDocument/2006/relationships">
+<p:sld xmlns:a="http://schemas.openxmlformats.org/drawingml/2006/main" xmlns:r="http://schemas.openxmlformats.org/officeDocument/2006/relationships" xmlns:p="http://schemas.openxmlformats.org/presentationml/2006/main">
   <p:cSld>
     <p:spTree>
       <p:nvGrpSpPr>
@@ -3244,7 +3295,14 @@
         <p:cNvGrpSpPr/>
         <p:nvPr/>
       </p:nvGrpSpPr>
-      <p:grpSpPr/>
+      <p:grpSpPr>
+        <a:xfrm>
+          <a:off x="0" y="0"/>
+          <a:ext cx="0" cy="0"/>
+          <a:chOff x="0" y="0"/>
+          <a:chExt cx="0" cy="0"/>
+        </a:xfrm>
+      </p:grpSpPr>
       <p:sp>
         <p:nvSpPr>
           <p:cNvPr id="2" name="Title 1"/>
@@ -3280,7 +3338,9 @@
         <p:txBody>
           <a:bodyPr/>
           <a:lstStyle/>
-          <a:p/>
+          <a:p>
+            <a:endParaRPr/>
+          </a:p>
           <a:p>
             <a:pPr>
               <a:defRPr sz="2000"/>
@@ -3316,7 +3376,7 @@
 </file>
 
 <file path=ppt/slides/slide12.xml><?xml version="1.0" encoding="utf-8"?>
-<p:sld xmlns:a="http://schemas.openxmlformats.org/drawingml/2006/main" xmlns:p="http://schemas.openxmlformats.org/presentationml/2006/main" xmlns:r="http://schemas.openxmlformats.org/officeDocument/2006/relationships">
+<p:sld xmlns:a="http://schemas.openxmlformats.org/drawingml/2006/main" xmlns:r="http://schemas.openxmlformats.org/officeDocument/2006/relationships" xmlns:p="http://schemas.openxmlformats.org/presentationml/2006/main">
   <p:cSld>
     <p:spTree>
       <p:nvGrpSpPr>
@@ -3324,7 +3384,14 @@
         <p:cNvGrpSpPr/>
         <p:nvPr/>
       </p:nvGrpSpPr>
-      <p:grpSpPr/>
+      <p:grpSpPr>
+        <a:xfrm>
+          <a:off x="0" y="0"/>
+          <a:ext cx="0" cy="0"/>
+          <a:chOff x="0" y="0"/>
+          <a:chExt cx="0" cy="0"/>
+        </a:xfrm>
+      </p:grpSpPr>
       <p:sp>
         <p:nvSpPr>
           <p:cNvPr id="2" name="Title 1"/>
@@ -3379,7 +3446,7 @@
 </file>
 
 <file path=ppt/slides/slide13.xml><?xml version="1.0" encoding="utf-8"?>
-<p:sld xmlns:a="http://schemas.openxmlformats.org/drawingml/2006/main" xmlns:p="http://schemas.openxmlformats.org/presentationml/2006/main" xmlns:r="http://schemas.openxmlformats.org/officeDocument/2006/relationships">
+<p:sld xmlns:a="http://schemas.openxmlformats.org/drawingml/2006/main" xmlns:r="http://schemas.openxmlformats.org/officeDocument/2006/relationships" xmlns:p="http://schemas.openxmlformats.org/presentationml/2006/main">
   <p:cSld>
     <p:spTree>
       <p:nvGrpSpPr>
@@ -3387,7 +3454,14 @@
         <p:cNvGrpSpPr/>
         <p:nvPr/>
       </p:nvGrpSpPr>
-      <p:grpSpPr/>
+      <p:grpSpPr>
+        <a:xfrm>
+          <a:off x="0" y="0"/>
+          <a:ext cx="0" cy="0"/>
+          <a:chOff x="0" y="0"/>
+          <a:chExt cx="0" cy="0"/>
+        </a:xfrm>
+      </p:grpSpPr>
       <p:sp>
         <p:nvSpPr>
           <p:cNvPr id="2" name="Title 1"/>
@@ -3442,7 +3516,7 @@
 </file>
 
 <file path=ppt/slides/slide2.xml><?xml version="1.0" encoding="utf-8"?>
-<p:sld xmlns:a="http://schemas.openxmlformats.org/drawingml/2006/main" xmlns:p="http://schemas.openxmlformats.org/presentationml/2006/main" xmlns:r="http://schemas.openxmlformats.org/officeDocument/2006/relationships">
+<p:sld xmlns:a="http://schemas.openxmlformats.org/drawingml/2006/main" xmlns:r="http://schemas.openxmlformats.org/officeDocument/2006/relationships" xmlns:p="http://schemas.openxmlformats.org/presentationml/2006/main">
   <p:cSld>
     <p:spTree>
       <p:nvGrpSpPr>
@@ -3450,7 +3524,14 @@
         <p:cNvGrpSpPr/>
         <p:nvPr/>
       </p:nvGrpSpPr>
-      <p:grpSpPr/>
+      <p:grpSpPr>
+        <a:xfrm>
+          <a:off x="0" y="0"/>
+          <a:ext cx="0" cy="0"/>
+          <a:chOff x="0" y="0"/>
+          <a:chExt cx="0" cy="0"/>
+        </a:xfrm>
+      </p:grpSpPr>
       <p:sp>
         <p:nvSpPr>
           <p:cNvPr id="2" name="Title 1"/>
@@ -3486,7 +3567,9 @@
         <p:txBody>
           <a:bodyPr/>
           <a:lstStyle/>
-          <a:p/>
+          <a:p>
+            <a:endParaRPr/>
+          </a:p>
           <a:p>
             <a:pPr>
               <a:defRPr sz="2000"/>
@@ -3522,7 +3605,7 @@
 </file>
 
 <file path=ppt/slides/slide3.xml><?xml version="1.0" encoding="utf-8"?>
-<p:sld xmlns:a="http://schemas.openxmlformats.org/drawingml/2006/main" xmlns:p="http://schemas.openxmlformats.org/presentationml/2006/main" xmlns:r="http://schemas.openxmlformats.org/officeDocument/2006/relationships">
+<p:sld xmlns:a="http://schemas.openxmlformats.org/drawingml/2006/main" xmlns:r="http://schemas.openxmlformats.org/officeDocument/2006/relationships" xmlns:p="http://schemas.openxmlformats.org/presentationml/2006/main">
   <p:cSld>
     <p:spTree>
       <p:nvGrpSpPr>
@@ -3530,7 +3613,14 @@
         <p:cNvGrpSpPr/>
         <p:nvPr/>
       </p:nvGrpSpPr>
-      <p:grpSpPr/>
+      <p:grpSpPr>
+        <a:xfrm>
+          <a:off x="0" y="0"/>
+          <a:ext cx="0" cy="0"/>
+          <a:chOff x="0" y="0"/>
+          <a:chExt cx="0" cy="0"/>
+        </a:xfrm>
+      </p:grpSpPr>
       <p:sp>
         <p:nvSpPr>
           <p:cNvPr id="2" name="Title 1"/>
@@ -3566,7 +3656,9 @@
         <p:txBody>
           <a:bodyPr/>
           <a:lstStyle/>
-          <a:p/>
+          <a:p>
+            <a:endParaRPr/>
+          </a:p>
           <a:p>
             <a:pPr>
               <a:defRPr sz="2000"/>
@@ -3610,7 +3702,7 @@
 </file>
 
 <file path=ppt/slides/slide4.xml><?xml version="1.0" encoding="utf-8"?>
-<p:sld xmlns:a="http://schemas.openxmlformats.org/drawingml/2006/main" xmlns:p="http://schemas.openxmlformats.org/presentationml/2006/main" xmlns:r="http://schemas.openxmlformats.org/officeDocument/2006/relationships">
+<p:sld xmlns:a="http://schemas.openxmlformats.org/drawingml/2006/main" xmlns:r="http://schemas.openxmlformats.org/officeDocument/2006/relationships" xmlns:p="http://schemas.openxmlformats.org/presentationml/2006/main">
   <p:cSld>
     <p:spTree>
       <p:nvGrpSpPr>
@@ -3618,7 +3710,14 @@
         <p:cNvGrpSpPr/>
         <p:nvPr/>
       </p:nvGrpSpPr>
-      <p:grpSpPr/>
+      <p:grpSpPr>
+        <a:xfrm>
+          <a:off x="0" y="0"/>
+          <a:ext cx="0" cy="0"/>
+          <a:chOff x="0" y="0"/>
+          <a:chExt cx="0" cy="0"/>
+        </a:xfrm>
+      </p:grpSpPr>
       <p:sp>
         <p:nvSpPr>
           <p:cNvPr id="2" name="Title 1"/>
@@ -3654,7 +3753,9 @@
         <p:txBody>
           <a:bodyPr/>
           <a:lstStyle/>
-          <a:p/>
+          <a:p>
+            <a:endParaRPr/>
+          </a:p>
           <a:p>
             <a:pPr>
               <a:defRPr sz="2000"/>
@@ -3706,7 +3807,7 @@
 </file>
 
 <file path=ppt/slides/slide5.xml><?xml version="1.0" encoding="utf-8"?>
-<p:sld xmlns:a="http://schemas.openxmlformats.org/drawingml/2006/main" xmlns:p="http://schemas.openxmlformats.org/presentationml/2006/main" xmlns:r="http://schemas.openxmlformats.org/officeDocument/2006/relationships">
+<p:sld xmlns:a="http://schemas.openxmlformats.org/drawingml/2006/main" xmlns:r="http://schemas.openxmlformats.org/officeDocument/2006/relationships" xmlns:p="http://schemas.openxmlformats.org/presentationml/2006/main">
   <p:cSld>
     <p:spTree>
       <p:nvGrpSpPr>
@@ -3714,7 +3815,14 @@
         <p:cNvGrpSpPr/>
         <p:nvPr/>
       </p:nvGrpSpPr>
-      <p:grpSpPr/>
+      <p:grpSpPr>
+        <a:xfrm>
+          <a:off x="0" y="0"/>
+          <a:ext cx="0" cy="0"/>
+          <a:chOff x="0" y="0"/>
+          <a:chExt cx="0" cy="0"/>
+        </a:xfrm>
+      </p:grpSpPr>
       <p:sp>
         <p:nvSpPr>
           <p:cNvPr id="2" name="Title 1"/>
@@ -3750,7 +3858,9 @@
         <p:txBody>
           <a:bodyPr/>
           <a:lstStyle/>
-          <a:p/>
+          <a:p>
+            <a:endParaRPr/>
+          </a:p>
           <a:p>
             <a:pPr>
               <a:defRPr sz="2000"/>
@@ -3794,7 +3904,7 @@
 </file>
 
 <file path=ppt/slides/slide6.xml><?xml version="1.0" encoding="utf-8"?>
-<p:sld xmlns:a="http://schemas.openxmlformats.org/drawingml/2006/main" xmlns:p="http://schemas.openxmlformats.org/presentationml/2006/main" xmlns:r="http://schemas.openxmlformats.org/officeDocument/2006/relationships">
+<p:sld xmlns:a="http://schemas.openxmlformats.org/drawingml/2006/main" xmlns:r="http://schemas.openxmlformats.org/officeDocument/2006/relationships" xmlns:p="http://schemas.openxmlformats.org/presentationml/2006/main">
   <p:cSld>
     <p:spTree>
       <p:nvGrpSpPr>
@@ -3802,7 +3912,14 @@
         <p:cNvGrpSpPr/>
         <p:nvPr/>
       </p:nvGrpSpPr>
-      <p:grpSpPr/>
+      <p:grpSpPr>
+        <a:xfrm>
+          <a:off x="0" y="0"/>
+          <a:ext cx="0" cy="0"/>
+          <a:chOff x="0" y="0"/>
+          <a:chExt cx="0" cy="0"/>
+        </a:xfrm>
+      </p:grpSpPr>
       <p:sp>
         <p:nvSpPr>
           <p:cNvPr id="2" name="Title 1"/>
@@ -3838,7 +3955,9 @@
         <p:txBody>
           <a:bodyPr/>
           <a:lstStyle/>
-          <a:p/>
+          <a:p>
+            <a:endParaRPr/>
+          </a:p>
           <a:p>
             <a:pPr>
               <a:defRPr sz="2000"/>
@@ -3890,7 +4009,7 @@
 </file>
 
 <file path=ppt/slides/slide7.xml><?xml version="1.0" encoding="utf-8"?>
-<p:sld xmlns:a="http://schemas.openxmlformats.org/drawingml/2006/main" xmlns:p="http://schemas.openxmlformats.org/presentationml/2006/main" xmlns:r="http://schemas.openxmlformats.org/officeDocument/2006/relationships">
+<p:sld xmlns:a="http://schemas.openxmlformats.org/drawingml/2006/main" xmlns:r="http://schemas.openxmlformats.org/officeDocument/2006/relationships" xmlns:p="http://schemas.openxmlformats.org/presentationml/2006/main">
   <p:cSld>
     <p:spTree>
       <p:nvGrpSpPr>
@@ -3898,7 +4017,14 @@
         <p:cNvGrpSpPr/>
         <p:nvPr/>
       </p:nvGrpSpPr>
-      <p:grpSpPr/>
+      <p:grpSpPr>
+        <a:xfrm>
+          <a:off x="0" y="0"/>
+          <a:ext cx="0" cy="0"/>
+          <a:chOff x="0" y="0"/>
+          <a:chExt cx="0" cy="0"/>
+        </a:xfrm>
+      </p:grpSpPr>
       <p:sp>
         <p:nvSpPr>
           <p:cNvPr id="2" name="Title 1"/>
@@ -3934,7 +4060,9 @@
         <p:txBody>
           <a:bodyPr/>
           <a:lstStyle/>
-          <a:p/>
+          <a:p>
+            <a:endParaRPr/>
+          </a:p>
           <a:p>
             <a:pPr>
               <a:defRPr sz="2000"/>
@@ -3978,7 +4106,7 @@
 </file>
 
 <file path=ppt/slides/slide8.xml><?xml version="1.0" encoding="utf-8"?>
-<p:sld xmlns:a="http://schemas.openxmlformats.org/drawingml/2006/main" xmlns:p="http://schemas.openxmlformats.org/presentationml/2006/main" xmlns:r="http://schemas.openxmlformats.org/officeDocument/2006/relationships">
+<p:sld xmlns:a="http://schemas.openxmlformats.org/drawingml/2006/main" xmlns:r="http://schemas.openxmlformats.org/officeDocument/2006/relationships" xmlns:p="http://schemas.openxmlformats.org/presentationml/2006/main">
   <p:cSld>
     <p:spTree>
       <p:nvGrpSpPr>
@@ -3986,7 +4114,14 @@
         <p:cNvGrpSpPr/>
         <p:nvPr/>
       </p:nvGrpSpPr>
-      <p:grpSpPr/>
+      <p:grpSpPr>
+        <a:xfrm>
+          <a:off x="0" y="0"/>
+          <a:ext cx="0" cy="0"/>
+          <a:chOff x="0" y="0"/>
+          <a:chExt cx="0" cy="0"/>
+        </a:xfrm>
+      </p:grpSpPr>
       <p:sp>
         <p:nvSpPr>
           <p:cNvPr id="2" name="Title 1"/>
@@ -4022,7 +4157,9 @@
         <p:txBody>
           <a:bodyPr/>
           <a:lstStyle/>
-          <a:p/>
+          <a:p>
+            <a:endParaRPr/>
+          </a:p>
           <a:p>
             <a:pPr>
               <a:defRPr sz="2000"/>
@@ -4066,7 +4203,7 @@
 </file>
 
 <file path=ppt/slides/slide9.xml><?xml version="1.0" encoding="utf-8"?>
-<p:sld xmlns:a="http://schemas.openxmlformats.org/drawingml/2006/main" xmlns:p="http://schemas.openxmlformats.org/presentationml/2006/main" xmlns:r="http://schemas.openxmlformats.org/officeDocument/2006/relationships">
+<p:sld xmlns:a="http://schemas.openxmlformats.org/drawingml/2006/main" xmlns:r="http://schemas.openxmlformats.org/officeDocument/2006/relationships" xmlns:p="http://schemas.openxmlformats.org/presentationml/2006/main">
   <p:cSld>
     <p:spTree>
       <p:nvGrpSpPr>
@@ -4074,7 +4211,14 @@
         <p:cNvGrpSpPr/>
         <p:nvPr/>
       </p:nvGrpSpPr>
-      <p:grpSpPr/>
+      <p:grpSpPr>
+        <a:xfrm>
+          <a:off x="0" y="0"/>
+          <a:ext cx="0" cy="0"/>
+          <a:chOff x="0" y="0"/>
+          <a:chExt cx="0" cy="0"/>
+        </a:xfrm>
+      </p:grpSpPr>
       <p:sp>
         <p:nvSpPr>
           <p:cNvPr id="2" name="Title 1"/>
@@ -4110,7 +4254,9 @@
         <p:txBody>
           <a:bodyPr/>
           <a:lstStyle/>
-          <a:p/>
+          <a:p>
+            <a:endParaRPr/>
+          </a:p>
           <a:p>
             <a:pPr>
               <a:defRPr sz="2000"/>

--- a/hybrid_embedding_presentation_with_diagrams.pptx
+++ b/hybrid_embedding_presentation_with_diagrams.pptx
@@ -3118,6 +3118,7 @@
           <a:lstStyle/>
           <a:p>
             <a:r>
+              <a:rPr dirty="0"/>
               <a:t>Hybrid Embedding</a:t>
             </a:r>
           </a:p>
@@ -3141,51 +3142,164 @@
           <a:lstStyle/>
           <a:p>
             <a:r>
-              <a:rPr dirty="0"/>
+              <a:rPr b="1" dirty="0"/>
               <a:t>Bridging LLM and Differential Trees for Explainable, Efficient AI</a:t>
             </a:r>
           </a:p>
           <a:p>
             <a:r>
-              <a:rPr dirty="0"/>
+              <a:rPr b="1" dirty="0"/>
               <a:t>White Paper Presentation</a:t>
             </a:r>
-            <a:endParaRPr lang="en-US" dirty="0"/>
-          </a:p>
-          <a:p>
-            <a:r>
-              <a:rPr lang="en-US" dirty="0"/>
+            <a:endParaRPr lang="en-US" b="1" dirty="0"/>
+          </a:p>
+          <a:p>
+            <a:endParaRPr lang="en-US" sz="1800" dirty="0">
+              <a:effectLst/>
+              <a:latin typeface="Helvetica" pitchFamily="2" charset="0"/>
+            </a:endParaRPr>
+          </a:p>
+          <a:p>
+            <a:pPr marL="0" marR="0" indent="-8890" algn="ctr">
+              <a:lnSpc>
+                <a:spcPct val="104000"/>
+              </a:lnSpc>
+              <a:spcBef>
+                <a:spcPts val="0"/>
+              </a:spcBef>
+              <a:spcAft>
+                <a:spcPts val="0"/>
+              </a:spcAft>
+            </a:pPr>
+            <a:r>
+              <a:rPr lang="en-US" sz="2500" kern="100" dirty="0">
+                <a:solidFill>
+                  <a:srgbClr val="000000"/>
+                </a:solidFill>
+                <a:effectLst/>
+                <a:latin typeface="+mj-lt"/>
+                <a:ea typeface="Arial" panose="020B0604020202020204" pitchFamily="34" charset="0"/>
+              </a:rPr>
               <a:t>Sizhe Tan</a:t>
             </a:r>
           </a:p>
           <a:p>
-            <a:r>
-              <a:rPr lang="en-US" dirty="0"/>
-              <a:t>20250923</a:t>
-            </a:r>
-          </a:p>
-          <a:p>
-            <a:r>
-              <a:rPr lang="en-US" dirty="0"/>
-              <a:t>https://</a:t>
-            </a:r>
-            <a:r>
-              <a:rPr lang="en-US" dirty="0" err="1"/>
-              <a:t>github.com</a:t>
-            </a:r>
-            <a:r>
-              <a:rPr lang="en-US" dirty="0"/>
-              <a:t>/</a:t>
-            </a:r>
-            <a:r>
-              <a:rPr lang="en-US" dirty="0" err="1"/>
-              <a:t>sizhet</a:t>
-            </a:r>
-            <a:r>
-              <a:rPr lang="en-US" dirty="0"/>
-              <a:t>/hybrid-embedding-project</a:t>
-            </a:r>
-            <a:endParaRPr dirty="0"/>
+            <a:pPr marL="0" marR="0" indent="0" algn="ctr">
+              <a:lnSpc>
+                <a:spcPct val="104000"/>
+              </a:lnSpc>
+              <a:spcBef>
+                <a:spcPts val="0"/>
+              </a:spcBef>
+              <a:spcAft>
+                <a:spcPts val="0"/>
+              </a:spcAft>
+              <a:tabLst>
+                <a:tab pos="581660" algn="l"/>
+                <a:tab pos="1163320" algn="l"/>
+                <a:tab pos="1744980" algn="l"/>
+                <a:tab pos="2326640" algn="l"/>
+                <a:tab pos="2908300" algn="l"/>
+                <a:tab pos="3489960" algn="l"/>
+                <a:tab pos="4071620" algn="l"/>
+                <a:tab pos="4653280" algn="l"/>
+                <a:tab pos="5234940" algn="l"/>
+                <a:tab pos="5816600" algn="l"/>
+                <a:tab pos="6398260" algn="l"/>
+                <a:tab pos="6979920" algn="l"/>
+                <a:tab pos="7561580" algn="l"/>
+                <a:tab pos="8143240" algn="l"/>
+                <a:tab pos="8724900" algn="l"/>
+                <a:tab pos="9306560" algn="l"/>
+              </a:tabLst>
+            </a:pPr>
+            <a:r>
+              <a:rPr lang="en-US" sz="2500" kern="0" dirty="0">
+                <a:solidFill>
+                  <a:srgbClr val="000000"/>
+                </a:solidFill>
+                <a:effectLst/>
+                <a:latin typeface="+mj-lt"/>
+                <a:ea typeface="Times New Roman" panose="02020603050405020304" pitchFamily="18" charset="0"/>
+              </a:rPr>
+              <a:t>With assistance from GPT-5 (AI research assistant)</a:t>
+            </a:r>
+            <a:endParaRPr lang="en-US" sz="2500" kern="100" dirty="0">
+              <a:solidFill>
+                <a:srgbClr val="000000"/>
+              </a:solidFill>
+              <a:effectLst/>
+              <a:latin typeface="+mj-lt"/>
+              <a:ea typeface="Arial" panose="020B0604020202020204" pitchFamily="34" charset="0"/>
+            </a:endParaRPr>
+          </a:p>
+          <a:p>
+            <a:pPr marL="0" marR="0" indent="-8890" algn="ctr">
+              <a:lnSpc>
+                <a:spcPct val="104000"/>
+              </a:lnSpc>
+              <a:spcBef>
+                <a:spcPts val="0"/>
+              </a:spcBef>
+              <a:spcAft>
+                <a:spcPts val="0"/>
+              </a:spcAft>
+            </a:pPr>
+            <a:r>
+              <a:rPr lang="en-US" sz="2500" kern="100" dirty="0">
+                <a:solidFill>
+                  <a:srgbClr val="000000"/>
+                </a:solidFill>
+                <a:effectLst/>
+                <a:latin typeface="+mj-lt"/>
+                <a:ea typeface="Arial" panose="020B0604020202020204" pitchFamily="34" charset="0"/>
+              </a:rPr>
+              <a:t>2025-09-23</a:t>
+            </a:r>
+          </a:p>
+          <a:p>
+            <a:pPr marL="0" marR="0" indent="-8890" algn="ctr">
+              <a:lnSpc>
+                <a:spcPct val="104000"/>
+              </a:lnSpc>
+              <a:spcBef>
+                <a:spcPts val="0"/>
+              </a:spcBef>
+              <a:spcAft>
+                <a:spcPts val="0"/>
+              </a:spcAft>
+            </a:pPr>
+            <a:r>
+              <a:rPr lang="en-US" sz="2500" kern="100" dirty="0">
+                <a:solidFill>
+                  <a:srgbClr val="000000"/>
+                </a:solidFill>
+                <a:effectLst/>
+                <a:latin typeface="+mj-lt"/>
+                <a:ea typeface="Arial" panose="020B0604020202020204" pitchFamily="34" charset="0"/>
+              </a:rPr>
+              <a:t>Repository: </a:t>
+            </a:r>
+            <a:r>
+              <a:rPr lang="en-US" sz="2500" u="sng" kern="100" dirty="0">
+                <a:solidFill>
+                  <a:srgbClr val="000000"/>
+                </a:solidFill>
+                <a:effectLst/>
+                <a:latin typeface="+mj-lt"/>
+                <a:ea typeface="Arial" panose="020B0604020202020204" pitchFamily="34" charset="0"/>
+                <a:hlinkClick r:id="rId2"/>
+              </a:rPr>
+              <a:t>https://github.com/sizhet/hybrid-embedding-project</a:t>
+            </a:r>
+            <a:endParaRPr lang="en-US" sz="2500" kern="100" dirty="0">
+              <a:solidFill>
+                <a:srgbClr val="000000"/>
+              </a:solidFill>
+              <a:effectLst/>
+              <a:latin typeface="+mj-lt"/>
+              <a:ea typeface="Arial" panose="020B0604020202020204" pitchFamily="34" charset="0"/>
+            </a:endParaRPr>
           </a:p>
         </p:txBody>
       </p:sp>

--- a/hybrid_embedding_presentation_with_diagrams.pptx
+++ b/hybrid_embedding_presentation_with_diagrams.pptx
@@ -314,7 +314,7 @@
           <a:p>
             <a:fld id="{5BCAD085-E8A6-8845-BD4E-CB4CCA059FC4}" type="datetimeFigureOut">
               <a:rPr lang="en-US" smtClean="0"/>
-              <a:t>9/24/25</a:t>
+              <a:t>9/25/25</a:t>
             </a:fld>
             <a:endParaRPr lang="en-US"/>
           </a:p>
@@ -482,7 +482,7 @@
           <a:p>
             <a:fld id="{5BCAD085-E8A6-8845-BD4E-CB4CCA059FC4}" type="datetimeFigureOut">
               <a:rPr lang="en-US" smtClean="0"/>
-              <a:t>9/24/25</a:t>
+              <a:t>9/25/25</a:t>
             </a:fld>
             <a:endParaRPr lang="en-US"/>
           </a:p>
@@ -660,7 +660,7 @@
           <a:p>
             <a:fld id="{5BCAD085-E8A6-8845-BD4E-CB4CCA059FC4}" type="datetimeFigureOut">
               <a:rPr lang="en-US" smtClean="0"/>
-              <a:t>9/24/25</a:t>
+              <a:t>9/25/25</a:t>
             </a:fld>
             <a:endParaRPr lang="en-US"/>
           </a:p>
@@ -828,7 +828,7 @@
           <a:p>
             <a:fld id="{5BCAD085-E8A6-8845-BD4E-CB4CCA059FC4}" type="datetimeFigureOut">
               <a:rPr lang="en-US" smtClean="0"/>
-              <a:t>9/24/25</a:t>
+              <a:t>9/25/25</a:t>
             </a:fld>
             <a:endParaRPr lang="en-US"/>
           </a:p>
@@ -1073,7 +1073,7 @@
           <a:p>
             <a:fld id="{5BCAD085-E8A6-8845-BD4E-CB4CCA059FC4}" type="datetimeFigureOut">
               <a:rPr lang="en-US" smtClean="0"/>
-              <a:t>9/24/25</a:t>
+              <a:t>9/25/25</a:t>
             </a:fld>
             <a:endParaRPr lang="en-US"/>
           </a:p>
@@ -1358,7 +1358,7 @@
           <a:p>
             <a:fld id="{5BCAD085-E8A6-8845-BD4E-CB4CCA059FC4}" type="datetimeFigureOut">
               <a:rPr lang="en-US" smtClean="0"/>
-              <a:t>9/24/25</a:t>
+              <a:t>9/25/25</a:t>
             </a:fld>
             <a:endParaRPr lang="en-US"/>
           </a:p>
@@ -1777,7 +1777,7 @@
           <a:p>
             <a:fld id="{5BCAD085-E8A6-8845-BD4E-CB4CCA059FC4}" type="datetimeFigureOut">
               <a:rPr lang="en-US" smtClean="0"/>
-              <a:t>9/24/25</a:t>
+              <a:t>9/25/25</a:t>
             </a:fld>
             <a:endParaRPr lang="en-US"/>
           </a:p>
@@ -1894,7 +1894,7 @@
           <a:p>
             <a:fld id="{5BCAD085-E8A6-8845-BD4E-CB4CCA059FC4}" type="datetimeFigureOut">
               <a:rPr lang="en-US" smtClean="0"/>
-              <a:t>9/24/25</a:t>
+              <a:t>9/25/25</a:t>
             </a:fld>
             <a:endParaRPr lang="en-US"/>
           </a:p>
@@ -1989,7 +1989,7 @@
           <a:p>
             <a:fld id="{5BCAD085-E8A6-8845-BD4E-CB4CCA059FC4}" type="datetimeFigureOut">
               <a:rPr lang="en-US" smtClean="0"/>
-              <a:t>9/24/25</a:t>
+              <a:t>9/25/25</a:t>
             </a:fld>
             <a:endParaRPr lang="en-US"/>
           </a:p>
@@ -2264,7 +2264,7 @@
           <a:p>
             <a:fld id="{5BCAD085-E8A6-8845-BD4E-CB4CCA059FC4}" type="datetimeFigureOut">
               <a:rPr lang="en-US" smtClean="0"/>
-              <a:t>9/24/25</a:t>
+              <a:t>9/25/25</a:t>
             </a:fld>
             <a:endParaRPr lang="en-US"/>
           </a:p>
@@ -2516,7 +2516,7 @@
           <a:p>
             <a:fld id="{5BCAD085-E8A6-8845-BD4E-CB4CCA059FC4}" type="datetimeFigureOut">
               <a:rPr lang="en-US" smtClean="0"/>
-              <a:t>9/24/25</a:t>
+              <a:t>9/25/25</a:t>
             </a:fld>
             <a:endParaRPr lang="en-US"/>
           </a:p>
@@ -2727,7 +2727,7 @@
           <a:p>
             <a:fld id="{5BCAD085-E8A6-8845-BD4E-CB4CCA059FC4}" type="datetimeFigureOut">
               <a:rPr lang="en-US" smtClean="0"/>
-              <a:t>9/24/25</a:t>
+              <a:t>9/25/25</a:t>
             </a:fld>
             <a:endParaRPr lang="en-US"/>
           </a:p>
@@ -3177,7 +3177,6 @@
                   <a:srgbClr val="000000"/>
                 </a:solidFill>
                 <a:effectLst/>
-                <a:latin typeface="+mj-lt"/>
                 <a:ea typeface="Arial" panose="020B0604020202020204" pitchFamily="34" charset="0"/>
               </a:rPr>
               <a:t>Sizhe Tan</a:t>
@@ -3219,7 +3218,6 @@
                   <a:srgbClr val="000000"/>
                 </a:solidFill>
                 <a:effectLst/>
-                <a:latin typeface="+mj-lt"/>
                 <a:ea typeface="Times New Roman" panose="02020603050405020304" pitchFamily="18" charset="0"/>
               </a:rPr>
               <a:t>With assistance from GPT-5 (AI research assistant)</a:t>
@@ -3229,7 +3227,6 @@
                 <a:srgbClr val="000000"/>
               </a:solidFill>
               <a:effectLst/>
-              <a:latin typeface="+mj-lt"/>
               <a:ea typeface="Arial" panose="020B0604020202020204" pitchFamily="34" charset="0"/>
             </a:endParaRPr>
           </a:p>
@@ -3251,7 +3248,6 @@
                   <a:srgbClr val="000000"/>
                 </a:solidFill>
                 <a:effectLst/>
-                <a:latin typeface="+mj-lt"/>
                 <a:ea typeface="Arial" panose="020B0604020202020204" pitchFamily="34" charset="0"/>
               </a:rPr>
               <a:t>2025-09-23</a:t>
@@ -3275,7 +3271,6 @@
                   <a:srgbClr val="000000"/>
                 </a:solidFill>
                 <a:effectLst/>
-                <a:latin typeface="+mj-lt"/>
                 <a:ea typeface="Arial" panose="020B0604020202020204" pitchFamily="34" charset="0"/>
               </a:rPr>
               <a:t>Repository: </a:t>
@@ -3286,18 +3281,40 @@
                   <a:srgbClr val="000000"/>
                 </a:solidFill>
                 <a:effectLst/>
-                <a:latin typeface="+mj-lt"/>
                 <a:ea typeface="Arial" panose="020B0604020202020204" pitchFamily="34" charset="0"/>
                 <a:hlinkClick r:id="rId2"/>
               </a:rPr>
               <a:t>https://github.com/sizhet/hybrid-embedding-project</a:t>
+            </a:r>
+            <a:endParaRPr lang="en-US" sz="2500" u="sng" kern="100" dirty="0">
+              <a:solidFill>
+                <a:srgbClr val="000000"/>
+              </a:solidFill>
+              <a:effectLst/>
+              <a:ea typeface="Arial" panose="020B0604020202020204" pitchFamily="34" charset="0"/>
+            </a:endParaRPr>
+          </a:p>
+          <a:p>
+            <a:pPr marL="0" marR="0" indent="-8890" algn="ctr">
+              <a:lnSpc>
+                <a:spcPct val="104000"/>
+              </a:lnSpc>
+              <a:spcBef>
+                <a:spcPts val="0"/>
+              </a:spcBef>
+              <a:spcAft>
+                <a:spcPts val="0"/>
+              </a:spcAft>
+            </a:pPr>
+            <a:r>
+              <a:rPr lang="en-US" sz="2500" dirty="0"/>
+              <a:t>10.5281/zenodo.17204143</a:t>
             </a:r>
             <a:endParaRPr lang="en-US" sz="2500" kern="100" dirty="0">
               <a:solidFill>
                 <a:srgbClr val="000000"/>
               </a:solidFill>
               <a:effectLst/>
-              <a:latin typeface="+mj-lt"/>
               <a:ea typeface="Arial" panose="020B0604020202020204" pitchFamily="34" charset="0"/>
             </a:endParaRPr>
           </a:p>
@@ -3518,7 +3535,9 @@
         </p:nvSpPr>
         <p:spPr/>
         <p:txBody>
-          <a:bodyPr/>
+          <a:bodyPr>
+            <a:normAutofit fontScale="90000"/>
+          </a:bodyPr>
           <a:lstStyle/>
           <a:p>
             <a:r>

--- a/hybrid_embedding_presentation_with_diagrams.pptx
+++ b/hybrid_embedding_presentation_with_diagrams.pptx
@@ -3307,8 +3307,12 @@
               </a:spcAft>
             </a:pPr>
             <a:r>
+              <a:rPr lang="en-US" sz="2500"/>
+              <a:t>DOI: 10.5281</a:t>
+            </a:r>
+            <a:r>
               <a:rPr lang="en-US" sz="2500" dirty="0"/>
-              <a:t>10.5281/zenodo.17204143</a:t>
+              <a:t>/zenodo.17204143</a:t>
             </a:r>
             <a:endParaRPr lang="en-US" sz="2500" kern="100" dirty="0">
               <a:solidFill>

--- a/hybrid_embedding_presentation_with_diagrams.pptx
+++ b/hybrid_embedding_presentation_with_diagrams.pptx
@@ -314,7 +314,7 @@
           <a:p>
             <a:fld id="{5BCAD085-E8A6-8845-BD4E-CB4CCA059FC4}" type="datetimeFigureOut">
               <a:rPr lang="en-US" smtClean="0"/>
-              <a:t>9/25/25</a:t>
+              <a:t>9/26/25</a:t>
             </a:fld>
             <a:endParaRPr lang="en-US"/>
           </a:p>
@@ -482,7 +482,7 @@
           <a:p>
             <a:fld id="{5BCAD085-E8A6-8845-BD4E-CB4CCA059FC4}" type="datetimeFigureOut">
               <a:rPr lang="en-US" smtClean="0"/>
-              <a:t>9/25/25</a:t>
+              <a:t>9/26/25</a:t>
             </a:fld>
             <a:endParaRPr lang="en-US"/>
           </a:p>
@@ -660,7 +660,7 @@
           <a:p>
             <a:fld id="{5BCAD085-E8A6-8845-BD4E-CB4CCA059FC4}" type="datetimeFigureOut">
               <a:rPr lang="en-US" smtClean="0"/>
-              <a:t>9/25/25</a:t>
+              <a:t>9/26/25</a:t>
             </a:fld>
             <a:endParaRPr lang="en-US"/>
           </a:p>
@@ -828,7 +828,7 @@
           <a:p>
             <a:fld id="{5BCAD085-E8A6-8845-BD4E-CB4CCA059FC4}" type="datetimeFigureOut">
               <a:rPr lang="en-US" smtClean="0"/>
-              <a:t>9/25/25</a:t>
+              <a:t>9/26/25</a:t>
             </a:fld>
             <a:endParaRPr lang="en-US"/>
           </a:p>
@@ -1073,7 +1073,7 @@
           <a:p>
             <a:fld id="{5BCAD085-E8A6-8845-BD4E-CB4CCA059FC4}" type="datetimeFigureOut">
               <a:rPr lang="en-US" smtClean="0"/>
-              <a:t>9/25/25</a:t>
+              <a:t>9/26/25</a:t>
             </a:fld>
             <a:endParaRPr lang="en-US"/>
           </a:p>
@@ -1358,7 +1358,7 @@
           <a:p>
             <a:fld id="{5BCAD085-E8A6-8845-BD4E-CB4CCA059FC4}" type="datetimeFigureOut">
               <a:rPr lang="en-US" smtClean="0"/>
-              <a:t>9/25/25</a:t>
+              <a:t>9/26/25</a:t>
             </a:fld>
             <a:endParaRPr lang="en-US"/>
           </a:p>
@@ -1777,7 +1777,7 @@
           <a:p>
             <a:fld id="{5BCAD085-E8A6-8845-BD4E-CB4CCA059FC4}" type="datetimeFigureOut">
               <a:rPr lang="en-US" smtClean="0"/>
-              <a:t>9/25/25</a:t>
+              <a:t>9/26/25</a:t>
             </a:fld>
             <a:endParaRPr lang="en-US"/>
           </a:p>
@@ -1894,7 +1894,7 @@
           <a:p>
             <a:fld id="{5BCAD085-E8A6-8845-BD4E-CB4CCA059FC4}" type="datetimeFigureOut">
               <a:rPr lang="en-US" smtClean="0"/>
-              <a:t>9/25/25</a:t>
+              <a:t>9/26/25</a:t>
             </a:fld>
             <a:endParaRPr lang="en-US"/>
           </a:p>
@@ -1989,7 +1989,7 @@
           <a:p>
             <a:fld id="{5BCAD085-E8A6-8845-BD4E-CB4CCA059FC4}" type="datetimeFigureOut">
               <a:rPr lang="en-US" smtClean="0"/>
-              <a:t>9/25/25</a:t>
+              <a:t>9/26/25</a:t>
             </a:fld>
             <a:endParaRPr lang="en-US"/>
           </a:p>
@@ -2264,7 +2264,7 @@
           <a:p>
             <a:fld id="{5BCAD085-E8A6-8845-BD4E-CB4CCA059FC4}" type="datetimeFigureOut">
               <a:rPr lang="en-US" smtClean="0"/>
-              <a:t>9/25/25</a:t>
+              <a:t>9/26/25</a:t>
             </a:fld>
             <a:endParaRPr lang="en-US"/>
           </a:p>
@@ -2516,7 +2516,7 @@
           <a:p>
             <a:fld id="{5BCAD085-E8A6-8845-BD4E-CB4CCA059FC4}" type="datetimeFigureOut">
               <a:rPr lang="en-US" smtClean="0"/>
-              <a:t>9/25/25</a:t>
+              <a:t>9/26/25</a:t>
             </a:fld>
             <a:endParaRPr lang="en-US"/>
           </a:p>
@@ -2727,7 +2727,7 @@
           <a:p>
             <a:fld id="{5BCAD085-E8A6-8845-BD4E-CB4CCA059FC4}" type="datetimeFigureOut">
               <a:rPr lang="en-US" smtClean="0"/>
-              <a:t>9/25/25</a:t>
+              <a:t>9/26/25</a:t>
             </a:fld>
             <a:endParaRPr lang="en-US"/>
           </a:p>
@@ -3295,32 +3295,13 @@
             </a:endParaRPr>
           </a:p>
           <a:p>
-            <a:pPr marL="0" marR="0" indent="-8890" algn="ctr">
-              <a:lnSpc>
-                <a:spcPct val="104000"/>
-              </a:lnSpc>
-              <a:spcBef>
-                <a:spcPts val="0"/>
-              </a:spcBef>
-              <a:spcAft>
-                <a:spcPts val="0"/>
-              </a:spcAft>
-            </a:pPr>
-            <a:r>
-              <a:rPr lang="en-US" sz="2500"/>
-              <a:t>DOI: 10.5281</a:t>
-            </a:r>
-            <a:r>
-              <a:rPr lang="en-US" sz="2500" dirty="0"/>
-              <a:t>/zenodo.17204143</a:t>
-            </a:r>
-            <a:endParaRPr lang="en-US" sz="2500" kern="100" dirty="0">
-              <a:solidFill>
-                <a:srgbClr val="000000"/>
-              </a:solidFill>
-              <a:effectLst/>
-              <a:ea typeface="Arial" panose="020B0604020202020204" pitchFamily="34" charset="0"/>
-            </a:endParaRPr>
+            <a:r>
+              <a:rPr lang="en-US" sz="2500" dirty="0">
+                <a:effectLst/>
+              </a:rPr>
+              <a:t>DOI 10.5281/zenodo.17205861 </a:t>
+            </a:r>
+            <a:endParaRPr lang="en-US" sz="2500" dirty="0"/>
           </a:p>
         </p:txBody>
       </p:sp>
